--- a/COVID Deaths & Societal Factors Capstone II Executive_Presentation.pptx
+++ b/COVID Deaths & Societal Factors Capstone II Executive_Presentation.pptx
@@ -2534,10 +2534,6 @@
               <a:buSzPts val="1400"/>
               <a:buNone/>
             </a:pPr>
-            <a:r>
-              <a:rPr lang="en-US" dirty="0"/>
-              <a:t>Leverage EBIT slide, then flow into Revenue, COGS and Operational Expenses</a:t>
-            </a:r>
             <a:endParaRPr dirty="0"/>
           </a:p>
         </p:txBody>
@@ -2796,7 +2792,7 @@
           <a:graphicData uri="http://schemas.openxmlformats.org/presentationml/2006/ole">
             <mc:AlternateContent xmlns:mc="http://schemas.openxmlformats.org/markup-compatibility/2006">
               <mc:Choice xmlns:v="urn:schemas-microsoft-com:vml" Requires="v">
-                <p:oleObj spid="_x0000_s2102" r:id="rId3" imgW="1587" imgH="1587" progId="TCLayout.ActiveDocument.1">
+                <p:oleObj spid="_x0000_s2112" r:id="rId3" imgW="1587" imgH="1587" progId="TCLayout.ActiveDocument.1">
                   <p:embed/>
                 </p:oleObj>
               </mc:Choice>
@@ -3306,7 +3302,7 @@
           <a:graphicData uri="http://schemas.openxmlformats.org/presentationml/2006/ole">
             <mc:AlternateContent xmlns:mc="http://schemas.openxmlformats.org/markup-compatibility/2006">
               <mc:Choice xmlns:v="urn:schemas-microsoft-com:vml" Requires="v">
-                <p:oleObj spid="_x0000_s3126" r:id="rId3" imgW="1587" imgH="1587" progId="TCLayout.ActiveDocument.1">
+                <p:oleObj spid="_x0000_s3136" r:id="rId3" imgW="1587" imgH="1587" progId="TCLayout.ActiveDocument.1">
                   <p:embed/>
                 </p:oleObj>
               </mc:Choice>
@@ -4488,7 +4484,7 @@
           <a:graphicData uri="http://schemas.openxmlformats.org/presentationml/2006/ole">
             <mc:AlternateContent xmlns:mc="http://schemas.openxmlformats.org/markup-compatibility/2006">
               <mc:Choice xmlns:v="urn:schemas-microsoft-com:vml" Requires="v">
-                <p:oleObj spid="_x0000_s1078" r:id="rId6" imgW="158750" imgH="158750" progId="TCLayout.ActiveDocument.1">
+                <p:oleObj spid="_x0000_s1088" r:id="rId6" imgW="158750" imgH="158750" progId="TCLayout.ActiveDocument.1">
                   <p:embed/>
                 </p:oleObj>
               </mc:Choice>
@@ -7350,7 +7346,7 @@
                 <a:cs typeface="Arial"/>
                 <a:sym typeface="Arial"/>
               </a:rPr>
-              <a:t>Date: April 4, 2021</a:t>
+              <a:t>Date: April 9, 2021</a:t>
             </a:r>
             <a:endParaRPr sz="1400" b="0" i="0" u="none" strike="noStrike" cap="none" dirty="0">
               <a:solidFill>
@@ -7542,7 +7538,7 @@
         <p:spPr>
           <a:xfrm>
             <a:off x="369844" y="1094282"/>
-            <a:ext cx="8087462" cy="5262979"/>
+            <a:ext cx="8087462" cy="3477875"/>
           </a:xfrm>
           <a:prstGeom prst="rect">
             <a:avLst/>
@@ -7556,114 +7552,96 @@
           <a:lstStyle/>
           <a:p>
             <a:r>
-              <a:rPr lang="en-US" dirty="0"/>
+              <a:rPr lang="en-US" sz="1200" dirty="0"/>
               <a:t>Undertreatment for pain</a:t>
             </a:r>
           </a:p>
           <a:p>
             <a:r>
-              <a:rPr lang="en-US" dirty="0">
+              <a:rPr lang="en-US" sz="1200" dirty="0">
                 <a:hlinkClick r:id="rId3"/>
               </a:rPr>
               <a:t>https://pubmed.ncbi.nlm.nih.gov/22239747/</a:t>
             </a:r>
-            <a:endParaRPr lang="en-US" dirty="0"/>
-          </a:p>
-          <a:p>
-            <a:endParaRPr lang="en-US" dirty="0"/>
-          </a:p>
-          <a:p>
-            <a:r>
-              <a:rPr lang="en-US" dirty="0">
+            <a:endParaRPr lang="en-US" sz="1200" dirty="0"/>
+          </a:p>
+          <a:p>
+            <a:endParaRPr lang="en-US" sz="1200" dirty="0"/>
+          </a:p>
+          <a:p>
+            <a:r>
+              <a:rPr lang="en-US" sz="1200" dirty="0">
                 <a:hlinkClick r:id="rId4"/>
               </a:rPr>
               <a:t>McGhee, Heather. _The Sum of Us: What Racism Costs Everyone and How We Can Prosper Together._</a:t>
             </a:r>
-            <a:endParaRPr lang="en-US" dirty="0"/>
-          </a:p>
-          <a:p>
-            <a:endParaRPr lang="en-US" dirty="0"/>
-          </a:p>
-          <a:p>
-            <a:r>
-              <a:rPr lang="en-US" dirty="0"/>
-              <a:t>People like walkable cities</a:t>
-            </a:r>
-          </a:p>
-          <a:p>
-            <a:r>
-              <a:rPr lang="en-US" dirty="0">
+            <a:endParaRPr lang="en-US" sz="1200" dirty="0"/>
+          </a:p>
+          <a:p>
+            <a:endParaRPr lang="en-US" sz="1200" dirty="0"/>
+          </a:p>
+          <a:p>
+            <a:r>
+              <a:rPr lang="en-US" sz="1200" dirty="0"/>
+              <a:t>Kaiser Family Foundation: uninsured statistics</a:t>
+            </a:r>
+          </a:p>
+          <a:p>
+            <a:r>
+              <a:rPr lang="en-US" sz="1200" dirty="0">
                 <a:hlinkClick r:id="rId5"/>
               </a:rPr>
-              <a:t>https://www.smartcitiesdive.com/ex/sustainablecitiescollective/top-10-walkability-features/1032946/</a:t>
-            </a:r>
-            <a:endParaRPr lang="en-US" dirty="0"/>
-          </a:p>
-          <a:p>
-            <a:endParaRPr lang="en-US" dirty="0"/>
-          </a:p>
-          <a:p>
-            <a:r>
-              <a:rPr lang="en-US" dirty="0"/>
-              <a:t>Kaiser Family Foundation: uninsured statistics</a:t>
-            </a:r>
-          </a:p>
-          <a:p>
-            <a:r>
-              <a:rPr lang="en-US" dirty="0">
+              <a:t>https://www.kff.org/uninsured/issue-brief/key-facts-about-the-uninsured-population/</a:t>
+            </a:r>
+            <a:endParaRPr lang="en-US" sz="1200" dirty="0"/>
+          </a:p>
+          <a:p>
+            <a:endParaRPr lang="en-US" sz="1200" dirty="0"/>
+          </a:p>
+          <a:p>
+            <a:r>
+              <a:rPr lang="en-US" sz="1200" dirty="0"/>
+              <a:t>Pew Research 63% of US thinks there should be one government program that provides health care coverage</a:t>
+            </a:r>
+          </a:p>
+          <a:p>
+            <a:r>
+              <a:rPr lang="en-US" sz="1200" dirty="0">
                 <a:hlinkClick r:id="rId6"/>
               </a:rPr>
-              <a:t>https://www.kff.org/uninsured/issue-brief/key-facts-about-the-uninsured-population/</a:t>
-            </a:r>
-            <a:endParaRPr lang="en-US" dirty="0"/>
-          </a:p>
-          <a:p>
-            <a:endParaRPr lang="en-US" dirty="0"/>
-          </a:p>
-          <a:p>
-            <a:r>
-              <a:rPr lang="en-US" dirty="0"/>
-              <a:t>Pew Research 63% of US thinks there should be one government program that provides health care coverage</a:t>
-            </a:r>
-          </a:p>
-          <a:p>
-            <a:r>
-              <a:rPr lang="en-US" dirty="0">
+              <a:t>https://www.pewresearch.org/fact-tank/2020/09/29/increasing-share-of-americans-favor-a-single-government-program-to-provide-health-care-coverage/</a:t>
+            </a:r>
+            <a:endParaRPr lang="en-US" sz="1200" dirty="0"/>
+          </a:p>
+          <a:p>
+            <a:endParaRPr lang="en-US" sz="1200" dirty="0"/>
+          </a:p>
+          <a:p>
+            <a:r>
+              <a:rPr lang="en-US" sz="1200" dirty="0"/>
+              <a:t>Population density has not been connected to COVID death rate</a:t>
+            </a:r>
+          </a:p>
+          <a:p>
+            <a:r>
+              <a:rPr lang="en-US" sz="1200" dirty="0">
                 <a:hlinkClick r:id="rId7"/>
               </a:rPr>
-              <a:t>https://www.pewresearch.org/fact-tank/2020/09/29/increasing-share-of-americans-favor-a-single-government-program-to-provide-health-care-coverage/</a:t>
-            </a:r>
-            <a:endParaRPr lang="en-US" dirty="0"/>
-          </a:p>
-          <a:p>
-            <a:endParaRPr lang="en-US" dirty="0"/>
-          </a:p>
-          <a:p>
-            <a:r>
-              <a:rPr lang="en-US" dirty="0"/>
-              <a:t>Population density has not been connected to COVID death rate</a:t>
-            </a:r>
-          </a:p>
-          <a:p>
-            <a:r>
-              <a:rPr lang="en-US" dirty="0">
+              <a:t>https://www.scientificamerican.com/article/population-density-does-not-doom-cities-to-pandemic-dangers/</a:t>
+            </a:r>
+            <a:endParaRPr lang="en-US" sz="1200" dirty="0"/>
+          </a:p>
+          <a:p>
+            <a:endParaRPr lang="en-US" sz="1200" dirty="0"/>
+          </a:p>
+          <a:p>
+            <a:r>
+              <a:rPr lang="en-US" sz="1200" dirty="0">
                 <a:hlinkClick r:id="rId8"/>
               </a:rPr>
-              <a:t>https://www.scientificamerican.com/article/population-density-does-not-doom-cities-to-pandemic-dangers/</a:t>
-            </a:r>
-            <a:endParaRPr lang="en-US" dirty="0"/>
-          </a:p>
-          <a:p>
-            <a:endParaRPr lang="en-US" dirty="0"/>
-          </a:p>
-          <a:p>
-            <a:r>
-              <a:rPr lang="en-US" dirty="0">
-                <a:hlinkClick r:id="rId9"/>
-              </a:rPr>
               <a:t>https://www.huffpost.com/entry/covid-19-population-density-myth_n_5ff8c68fc5b63642b6fba9eb</a:t>
             </a:r>
-            <a:endParaRPr lang="en-US" dirty="0"/>
+            <a:endParaRPr lang="en-US" sz="1200" dirty="0"/>
           </a:p>
           <a:p>
             <a:endParaRPr lang="en-US" dirty="0"/>
@@ -7717,7 +7695,7 @@
           <a:graphicData uri="http://schemas.openxmlformats.org/presentationml/2006/ole">
             <mc:AlternateContent xmlns:mc="http://schemas.openxmlformats.org/markup-compatibility/2006">
               <mc:Choice xmlns:v="urn:schemas-microsoft-com:vml" Requires="v">
-                <p:oleObj spid="_x0000_s4158" r:id="rId4" imgW="1587" imgH="1587" progId="TCLayout.ActiveDocument.1">
+                <p:oleObj spid="_x0000_s4170" r:id="rId4" imgW="1587" imgH="1587" progId="TCLayout.ActiveDocument.1">
                   <p:embed/>
                 </p:oleObj>
               </mc:Choice>
@@ -7982,7 +7960,7 @@
             </a:pPr>
             <a:r>
               <a:rPr lang="en-US" sz="1100" dirty="0"/>
-              <a:t>Most of the counties with COVID death rates greater than 0.4%, shown in red below, are in the south region, where higher percentages of the population fall into the top four attributes above.</a:t>
+              <a:t>Most of the counties with COVID death rates greater than 0.37%, shown in red below, are in the south region, where higher percentages of the population fall into the top four attributes above.</a:t>
             </a:r>
             <a:endParaRPr sz="1100" dirty="0"/>
           </a:p>
@@ -8049,7 +8027,7 @@
         </p:nvSpPr>
         <p:spPr>
           <a:xfrm>
-            <a:off x="6244441" y="6000514"/>
+            <a:off x="6215574" y="5576469"/>
             <a:ext cx="2745864" cy="861774"/>
           </a:xfrm>
           <a:prstGeom prst="rect">
@@ -8075,14 +8053,40 @@
               <a:t>1</a:t>
             </a:r>
             <a:r>
+              <a:rPr lang="en-US" sz="1000" dirty="0"/>
+              <a:t> </a:t>
+            </a:r>
+            <a:r>
               <a:rPr lang="en-US" sz="1000" dirty="0">
-                <a:hlinkClick r:id="rId7"/>
+                <a:hlinkClick r:id="rId8"/>
               </a:rPr>
-              <a:t>https://www.kaggle.com/johnjdavisiv/us-counties-covid19-weather-sociohealth-data</a:t>
-            </a:r>
-            <a:endParaRPr lang="en-US" sz="1000" dirty="0"/>
-          </a:p>
-          <a:p>
+              <a:t>https://bit.ly/3mKbdoo</a:t>
+            </a:r>
+            <a:r>
+              <a:rPr lang="en-US" sz="1000" dirty="0"/>
+              <a:t>, </a:t>
+            </a:r>
+            <a:r>
+              <a:rPr lang="en-US" sz="1000" dirty="0">
+                <a:hlinkClick r:id="rId9"/>
+              </a:rPr>
+              <a:t>https://</a:t>
+            </a:r>
+            <a:r>
+              <a:rPr lang="en-US" sz="1000" dirty="0" err="1">
+                <a:hlinkClick r:id="rId9"/>
+              </a:rPr>
+              <a:t>bit.ly</a:t>
+            </a:r>
+            <a:r>
+              <a:rPr lang="en-US" sz="1000" dirty="0">
+                <a:hlinkClick r:id="rId9"/>
+              </a:rPr>
+              <a:t>/3wYWc71</a:t>
+            </a:r>
+            <a:br>
+              <a:rPr lang="en-US" sz="1000" dirty="0"/>
+            </a:br>
             <a:endParaRPr lang="en-US" sz="1000" dirty="0"/>
           </a:p>
           <a:p>
@@ -8108,7 +8112,66 @@
             </a:r>
           </a:p>
           <a:p>
-            <a:endParaRPr lang="en-US" sz="1000" dirty="0"/>
+            <a:r>
+              <a:rPr lang="en-AU" sz="1000" b="1" baseline="30000" dirty="0">
+                <a:solidFill>
+                  <a:srgbClr val="002060"/>
+                </a:solidFill>
+                <a:latin typeface="Quattrocento Sans"/>
+                <a:sym typeface="Quattrocento Sans"/>
+              </a:rPr>
+              <a:t>3</a:t>
+            </a:r>
+            <a:r>
+              <a:rPr lang="en-AU" sz="1000" b="1" dirty="0">
+                <a:solidFill>
+                  <a:srgbClr val="002060"/>
+                </a:solidFill>
+                <a:latin typeface="Quattrocento Sans"/>
+                <a:sym typeface="Quattrocento Sans"/>
+              </a:rPr>
+              <a:t>AK, HI:  </a:t>
+            </a:r>
+            <a:r>
+              <a:rPr lang="en-AU" sz="1000" b="1" dirty="0">
+                <a:solidFill>
+                  <a:srgbClr val="002060"/>
+                </a:solidFill>
+                <a:latin typeface="Quattrocento Sans"/>
+                <a:sym typeface="Quattrocento Sans"/>
+                <a:hlinkClick r:id="rId10"/>
+              </a:rPr>
+              <a:t>https://</a:t>
+            </a:r>
+            <a:r>
+              <a:rPr lang="en-AU" sz="1000" b="1" dirty="0" err="1">
+                <a:solidFill>
+                  <a:srgbClr val="002060"/>
+                </a:solidFill>
+                <a:latin typeface="Quattrocento Sans"/>
+                <a:sym typeface="Quattrocento Sans"/>
+                <a:hlinkClick r:id="rId10"/>
+              </a:rPr>
+              <a:t>tabsoft.co</a:t>
+            </a:r>
+            <a:r>
+              <a:rPr lang="en-AU" sz="1000" b="1" dirty="0">
+                <a:solidFill>
+                  <a:srgbClr val="002060"/>
+                </a:solidFill>
+                <a:latin typeface="Quattrocento Sans"/>
+                <a:sym typeface="Quattrocento Sans"/>
+                <a:hlinkClick r:id="rId10"/>
+              </a:rPr>
+              <a:t>/3dYTbuA</a:t>
+            </a:r>
+            <a:endParaRPr lang="en-AU" sz="1000" b="1" dirty="0">
+              <a:solidFill>
+                <a:srgbClr val="002060"/>
+              </a:solidFill>
+              <a:latin typeface="Quattrocento Sans"/>
+              <a:sym typeface="Quattrocento Sans"/>
+            </a:endParaRPr>
           </a:p>
         </p:txBody>
       </p:sp>
@@ -8127,7 +8190,7 @@
           <p:nvPr/>
         </p:nvPicPr>
         <p:blipFill>
-          <a:blip r:embed="rId8"/>
+          <a:blip r:embed="rId11"/>
           <a:stretch>
             <a:fillRect/>
           </a:stretch>
@@ -8184,7 +8247,7 @@
                   <a:schemeClr val="tx1"/>
                 </a:solidFill>
               </a:rPr>
-              <a:t>2</a:t>
+              <a:t>2,3</a:t>
             </a:r>
           </a:p>
           <a:p>
@@ -8211,7 +8274,7 @@
         <p:spPr>
           <a:xfrm>
             <a:off x="6244441" y="4099182"/>
-            <a:ext cx="2682702" cy="1785064"/>
+            <a:ext cx="2682702" cy="1477287"/>
           </a:xfrm>
           <a:prstGeom prst="rect">
             <a:avLst/>
@@ -8323,7 +8386,7 @@
                   <a:schemeClr val="dk1"/>
                 </a:solidFill>
               </a:rPr>
-              <a:t>Family and community services to support youth in finishing high school</a:t>
+              <a:t>Family and community services to support youth in finishing school</a:t>
             </a:r>
             <a:endParaRPr sz="1400" b="0" i="0" u="none" strike="noStrike" cap="none" dirty="0">
               <a:solidFill>
@@ -8392,34 +8455,6 @@
             <a:endParaRPr sz="1400" b="0" i="0" u="none" strike="noStrike" cap="none" dirty="0">
               <a:solidFill>
                 <a:srgbClr val="000000"/>
-              </a:solidFill>
-              <a:latin typeface="Arial"/>
-              <a:ea typeface="Arial"/>
-              <a:cs typeface="Arial"/>
-              <a:sym typeface="Arial"/>
-            </a:endParaRPr>
-          </a:p>
-          <a:p>
-            <a:pPr marL="228600" marR="0" lvl="0" indent="-165100" algn="l" rtl="0">
-              <a:lnSpc>
-                <a:spcPct val="100000"/>
-              </a:lnSpc>
-              <a:spcBef>
-                <a:spcPts val="0"/>
-              </a:spcBef>
-              <a:spcAft>
-                <a:spcPts val="0"/>
-              </a:spcAft>
-              <a:buClr>
-                <a:schemeClr val="dk1"/>
-              </a:buClr>
-              <a:buSzPts val="1000"/>
-              <a:buFont typeface="Arial"/>
-              <a:buNone/>
-            </a:pPr>
-            <a:endParaRPr sz="1000" b="1" i="0" u="none" strike="noStrike" cap="none" dirty="0">
-              <a:solidFill>
-                <a:schemeClr val="dk1"/>
               </a:solidFill>
               <a:latin typeface="Arial"/>
               <a:ea typeface="Arial"/>
@@ -8913,7 +8948,7 @@
         <p:spPr>
           <a:xfrm>
             <a:off x="125623" y="6324600"/>
-            <a:ext cx="6275177" cy="400110"/>
+            <a:ext cx="6275177" cy="553998"/>
           </a:xfrm>
           <a:prstGeom prst="rect">
             <a:avLst/>
@@ -8928,14 +8963,27 @@
           <a:p>
             <a:r>
               <a:rPr lang="en-US" sz="1000" dirty="0"/>
-              <a:t>Source: </a:t>
+              <a:t>Sources: </a:t>
             </a:r>
             <a:r>
               <a:rPr lang="en-US" sz="1000" dirty="0">
                 <a:hlinkClick r:id="rId4"/>
               </a:rPr>
-              <a:t>https://www.kaggle.com/johnjdavisiv/us-counties-covid19-weather-sociohealth-data</a:t>
-            </a:r>
+              <a:t>https://bit.ly/3mKbdoo</a:t>
+            </a:r>
+            <a:r>
+              <a:rPr lang="en-US" sz="1000" dirty="0"/>
+              <a:t>, </a:t>
+            </a:r>
+            <a:r>
+              <a:rPr lang="en-US" sz="1000" dirty="0">
+                <a:hlinkClick r:id="rId5"/>
+              </a:rPr>
+              <a:t>https://bit.ly/3wYWc71</a:t>
+            </a:r>
+            <a:endParaRPr lang="en-US" sz="1000" dirty="0"/>
+          </a:p>
+          <a:p>
             <a:endParaRPr lang="en-US" sz="1000" dirty="0"/>
           </a:p>
           <a:p>
@@ -9465,7 +9513,7 @@
         <p:spPr>
           <a:xfrm>
             <a:off x="72255" y="6111861"/>
-            <a:ext cx="4479925" cy="215444"/>
+            <a:ext cx="4479925" cy="338554"/>
           </a:xfrm>
           <a:prstGeom prst="rect">
             <a:avLst/>
@@ -9489,8 +9537,21 @@
               <a:rPr lang="en-US" sz="800" dirty="0">
                 <a:hlinkClick r:id="rId3"/>
               </a:rPr>
-              <a:t>https://www.kaggle.com/johnjdavisiv/us-counties-covid19-weather-sociohealth-data</a:t>
-            </a:r>
+              <a:t>https://bit.ly/3mKbdoo</a:t>
+            </a:r>
+            <a:r>
+              <a:rPr lang="en-US" sz="800" dirty="0"/>
+              <a:t> , </a:t>
+            </a:r>
+            <a:r>
+              <a:rPr lang="en-US" sz="800" dirty="0">
+                <a:hlinkClick r:id="rId4"/>
+              </a:rPr>
+              <a:t>https://bit.ly/3wYWc71</a:t>
+            </a:r>
+            <a:endParaRPr lang="en-US" sz="800" dirty="0"/>
+          </a:p>
+          <a:p>
             <a:endParaRPr lang="en-US" sz="800" dirty="0"/>
           </a:p>
         </p:txBody>
@@ -9536,7 +9597,7 @@
             </a:r>
             <a:r>
               <a:rPr lang="en-US" sz="800" dirty="0">
-                <a:hlinkClick r:id="rId4"/>
+                <a:hlinkClick r:id="rId5"/>
               </a:rPr>
               <a:t>https://www.commonwealthfund.org/publications/newsletter-article/2021/jan/medical-mistrust-among-black-americans</a:t>
             </a:r>
@@ -9562,7 +9623,7 @@
           <p:nvPr/>
         </p:nvPicPr>
         <p:blipFill>
-          <a:blip r:embed="rId5"/>
+          <a:blip r:embed="rId6"/>
           <a:stretch>
             <a:fillRect/>
           </a:stretch>
@@ -9592,7 +9653,7 @@
           <p:nvPr/>
         </p:nvPicPr>
         <p:blipFill>
-          <a:blip r:embed="rId6"/>
+          <a:blip r:embed="rId7"/>
           <a:stretch>
             <a:fillRect/>
           </a:stretch>
@@ -9622,7 +9683,7 @@
           <p:nvPr/>
         </p:nvPicPr>
         <p:blipFill>
-          <a:blip r:embed="rId7"/>
+          <a:blip r:embed="rId8"/>
           <a:stretch>
             <a:fillRect/>
           </a:stretch>
@@ -9652,7 +9713,7 @@
           <p:nvPr/>
         </p:nvPicPr>
         <p:blipFill rotWithShape="1">
-          <a:blip r:embed="rId8"/>
+          <a:blip r:embed="rId9"/>
           <a:srcRect l="4477" t="14495" r="5371" b="7004"/>
           <a:stretch/>
         </p:blipFill>
@@ -9681,7 +9742,7 @@
           <p:nvPr/>
         </p:nvPicPr>
         <p:blipFill>
-          <a:blip r:embed="rId9"/>
+          <a:blip r:embed="rId10"/>
           <a:stretch>
             <a:fillRect/>
           </a:stretch>
@@ -9711,7 +9772,7 @@
           <p:nvPr/>
         </p:nvPicPr>
         <p:blipFill>
-          <a:blip r:embed="rId9"/>
+          <a:blip r:embed="rId10"/>
           <a:stretch>
             <a:fillRect/>
           </a:stretch>
@@ -9875,8 +9936,8 @@
         </p:nvSpPr>
         <p:spPr>
           <a:xfrm>
-            <a:off x="172475" y="6253571"/>
-            <a:ext cx="6393425" cy="461665"/>
+            <a:off x="172475" y="6211363"/>
+            <a:ext cx="6393425" cy="584775"/>
           </a:xfrm>
           <a:prstGeom prst="rect">
             <a:avLst/>
@@ -9897,11 +9958,28 @@
               <a:t>1 </a:t>
             </a:r>
             <a:r>
+              <a:rPr lang="en-US" sz="800" dirty="0"/>
+              <a:t> </a:t>
+            </a:r>
+            <a:r>
               <a:rPr lang="en-US" sz="800" dirty="0">
                 <a:hlinkClick r:id="rId5"/>
               </a:rPr>
-              <a:t>https://www.kaggle.com/johnjdavisiv/us-counties-covid19-weather-sociohealth-data</a:t>
-            </a:r>
+              <a:t>https://bit.ly/3mKbdoo</a:t>
+            </a:r>
+            <a:r>
+              <a:rPr lang="en-US" sz="800" dirty="0"/>
+              <a:t> , </a:t>
+            </a:r>
+            <a:r>
+              <a:rPr lang="en-US" sz="800" dirty="0">
+                <a:hlinkClick r:id="rId6"/>
+              </a:rPr>
+              <a:t>https://bit.ly/3wYWc71</a:t>
+            </a:r>
+            <a:endParaRPr lang="en-US" sz="800" dirty="0"/>
+          </a:p>
+          <a:p>
             <a:endParaRPr lang="en-US" sz="800" dirty="0"/>
           </a:p>
           <a:p>
@@ -9940,7 +10018,7 @@
           <p:nvPr/>
         </p:nvPicPr>
         <p:blipFill rotWithShape="1">
-          <a:blip r:embed="rId6"/>
+          <a:blip r:embed="rId7"/>
           <a:srcRect l="5653"/>
           <a:stretch/>
         </p:blipFill>
@@ -11286,7 +11364,7 @@
         </p:nvSpPr>
         <p:spPr>
           <a:xfrm>
-            <a:off x="5706007" y="6181071"/>
+            <a:off x="5680609" y="5945510"/>
             <a:ext cx="2577268" cy="400069"/>
           </a:xfrm>
           <a:prstGeom prst="rect">
@@ -11358,7 +11436,7 @@
         </p:nvSpPr>
         <p:spPr>
           <a:xfrm>
-            <a:off x="5706009" y="5963899"/>
+            <a:off x="5671586" y="5722536"/>
             <a:ext cx="2577268" cy="222974"/>
           </a:xfrm>
           <a:prstGeom prst="roundRect">
@@ -11965,6 +12043,51 @@
           </a:p>
         </p:txBody>
       </p:sp>
+      <p:sp>
+        <p:nvSpPr>
+          <p:cNvPr id="2" name="TextBox 1">
+            <a:extLst>
+              <a:ext uri="{FF2B5EF4-FFF2-40B4-BE49-F238E27FC236}">
+                <a16:creationId xmlns:a16="http://schemas.microsoft.com/office/drawing/2014/main" id="{C3D5665B-C668-0E4A-858E-E32B88697B42}"/>
+              </a:ext>
+            </a:extLst>
+          </p:cNvPr>
+          <p:cNvSpPr txBox="1"/>
+          <p:nvPr/>
+        </p:nvSpPr>
+        <p:spPr>
+          <a:xfrm>
+            <a:off x="4860925" y="6432698"/>
+            <a:ext cx="3703935" cy="338554"/>
+          </a:xfrm>
+          <a:prstGeom prst="rect">
+            <a:avLst/>
+          </a:prstGeom>
+          <a:noFill/>
+        </p:spPr>
+        <p:txBody>
+          <a:bodyPr wrap="square" rtlCol="0">
+            <a:spAutoFit/>
+          </a:bodyPr>
+          <a:lstStyle/>
+          <a:p>
+            <a:r>
+              <a:rPr lang="en-US" sz="800" dirty="0"/>
+              <a:t>Stay at home order information: </a:t>
+            </a:r>
+            <a:r>
+              <a:rPr lang="en-US" sz="800" dirty="0">
+                <a:hlinkClick r:id="rId9"/>
+              </a:rPr>
+              <a:t>https://ephtracking.cdc.gov/DataExplorer/</a:t>
+            </a:r>
+            <a:endParaRPr lang="en-US" sz="800" dirty="0"/>
+          </a:p>
+          <a:p>
+            <a:endParaRPr lang="en-US" sz="800" dirty="0"/>
+          </a:p>
+        </p:txBody>
+      </p:sp>
     </p:spTree>
   </p:cSld>
   <p:clrMapOvr>
@@ -12478,7 +12601,7 @@
         <p:spPr>
           <a:xfrm>
             <a:off x="182468" y="1004341"/>
-            <a:ext cx="8087462" cy="5693866"/>
+            <a:ext cx="8087462" cy="5447645"/>
           </a:xfrm>
           <a:prstGeom prst="rect">
             <a:avLst/>
@@ -12492,126 +12615,162 @@
           <a:lstStyle/>
           <a:p>
             <a:r>
-              <a:rPr lang="en-US" dirty="0"/>
+              <a:rPr lang="en-US" sz="1200" dirty="0"/>
               <a:t>Links to sources</a:t>
             </a:r>
           </a:p>
           <a:p>
             <a:r>
-              <a:rPr lang="en-US" dirty="0"/>
+              <a:rPr lang="en-US" sz="1200" dirty="0"/>
               <a:t>The dataset</a:t>
             </a:r>
           </a:p>
           <a:p>
             <a:r>
-              <a:rPr lang="en-US" dirty="0">
+              <a:rPr lang="en-US" sz="1200" dirty="0">
                 <a:hlinkClick r:id="rId3"/>
               </a:rPr>
               <a:t>https://www.kaggle.com/johnjdavisiv/us-counties-covid19-weather-sociohealth-data</a:t>
             </a:r>
-            <a:endParaRPr lang="en-US" dirty="0"/>
-          </a:p>
-          <a:p>
-            <a:endParaRPr lang="en-US" dirty="0"/>
-          </a:p>
-          <a:p>
-            <a:r>
-              <a:rPr lang="en-US" dirty="0"/>
-              <a:t>New York Times COVID case and death counts</a:t>
-            </a:r>
-          </a:p>
-          <a:p>
-            <a:r>
-              <a:rPr lang="en-US" dirty="0">
+            <a:endParaRPr lang="en-US" sz="1200" dirty="0"/>
+          </a:p>
+          <a:p>
+            <a:endParaRPr lang="en-US" sz="1200" dirty="0"/>
+          </a:p>
+          <a:p>
+            <a:r>
+              <a:rPr lang="en-US" sz="1200" dirty="0"/>
+              <a:t>CDC COVID death by county</a:t>
+            </a:r>
+          </a:p>
+          <a:p>
+            <a:r>
+              <a:rPr lang="en-US" sz="1200" dirty="0">
                 <a:hlinkClick r:id="rId4"/>
               </a:rPr>
-              <a:t>https://github.com/nytimes/covid-19-data</a:t>
-            </a:r>
-            <a:endParaRPr lang="en-US" dirty="0"/>
-          </a:p>
-          <a:p>
-            <a:endParaRPr lang="en-US" dirty="0"/>
-          </a:p>
-          <a:p>
-            <a:r>
-              <a:rPr lang="en-US" dirty="0"/>
-              <a:t>Kaiser Family Foundation (stay at home orders)</a:t>
-            </a:r>
-          </a:p>
-          <a:p>
-            <a:r>
-              <a:rPr lang="en-US" dirty="0">
+              <a:t>https://www.cdc.gov/nchs/covid19/covid-19-mortality-data-files.htm</a:t>
+            </a:r>
+            <a:endParaRPr lang="en-US" sz="1200" dirty="0"/>
+          </a:p>
+          <a:p>
+            <a:endParaRPr lang="en-US" sz="1200" dirty="0"/>
+          </a:p>
+          <a:p>
+            <a:r>
+              <a:rPr lang="en-US" sz="1200" dirty="0"/>
+              <a:t>CDC stay-at-home order information</a:t>
+            </a:r>
+          </a:p>
+          <a:p>
+            <a:r>
+              <a:rPr lang="en-US" sz="1200" dirty="0">
                 <a:hlinkClick r:id="rId5"/>
               </a:rPr>
-              <a:t>https://www.kff.org/policy-watch/stay-at-home-orders-to-fight-covid19/</a:t>
-            </a:r>
-            <a:endParaRPr lang="en-US" dirty="0"/>
-          </a:p>
-          <a:p>
-            <a:endParaRPr lang="en-US" dirty="0"/>
-          </a:p>
-          <a:p>
-            <a:r>
-              <a:rPr lang="en-US" dirty="0"/>
-              <a:t>County Health Rankings</a:t>
-            </a:r>
-          </a:p>
-          <a:p>
-            <a:r>
-              <a:rPr lang="en-US" dirty="0">
+              <a:t>https://ephtracking.cdc.gov/DataExplorer/</a:t>
+            </a:r>
+            <a:endParaRPr lang="en-US" sz="1200" dirty="0"/>
+          </a:p>
+          <a:p>
+            <a:endParaRPr lang="en-US" sz="1200" dirty="0"/>
+          </a:p>
+          <a:p>
+            <a:r>
+              <a:rPr lang="en-US" sz="1200" dirty="0"/>
+              <a:t>New York Times COVID case and death counts</a:t>
+            </a:r>
+          </a:p>
+          <a:p>
+            <a:r>
+              <a:rPr lang="en-US" sz="1200" dirty="0">
                 <a:hlinkClick r:id="rId6"/>
               </a:rPr>
-              <a:t>https://www.countyhealthrankings.org/</a:t>
-            </a:r>
-            <a:endParaRPr lang="en-US" dirty="0"/>
-          </a:p>
-          <a:p>
-            <a:endParaRPr lang="en-US" dirty="0"/>
-          </a:p>
-          <a:p>
-            <a:r>
-              <a:rPr lang="en-US" dirty="0"/>
-              <a:t>Correlation between age and COVID deaths</a:t>
-            </a:r>
-          </a:p>
-          <a:p>
-            <a:r>
-              <a:rPr lang="en-US" dirty="0">
+              <a:t>https://github.com/nytimes/covid-19-data</a:t>
+            </a:r>
+            <a:endParaRPr lang="en-US" sz="1200" dirty="0"/>
+          </a:p>
+          <a:p>
+            <a:endParaRPr lang="en-US" sz="1200" dirty="0"/>
+          </a:p>
+          <a:p>
+            <a:r>
+              <a:rPr lang="en-US" sz="1200" dirty="0"/>
+              <a:t>Kaiser Family Foundation (stay at home orders)</a:t>
+            </a:r>
+          </a:p>
+          <a:p>
+            <a:r>
+              <a:rPr lang="en-US" sz="1200" dirty="0">
                 <a:hlinkClick r:id="rId7"/>
               </a:rPr>
-              <a:t>https://www.ncbi.nlm.nih.gov/pmc/articles/PMC7335648/#:~:text=Among%20COVID-19%20patients%2C%20elderly,respectively%20%5B5%2C</a:t>
-            </a:r>
-            <a:endParaRPr lang="en-US" dirty="0"/>
-          </a:p>
-          <a:p>
-            <a:endParaRPr lang="en-US" dirty="0"/>
-          </a:p>
-          <a:p>
-            <a:r>
-              <a:rPr lang="en-US" dirty="0"/>
-              <a:t>Research showing differentially worse medical treatment of Black Americans; suggested interventions </a:t>
-            </a:r>
-          </a:p>
-          <a:p>
-            <a:r>
-              <a:rPr lang="en-US" dirty="0">
+              <a:t>https://www.kff.org/policy-watch/stay-at-home-orders-to-fight-covid19/</a:t>
+            </a:r>
+            <a:endParaRPr lang="en-US" sz="1200" dirty="0"/>
+          </a:p>
+          <a:p>
+            <a:endParaRPr lang="en-US" sz="1200" dirty="0"/>
+          </a:p>
+          <a:p>
+            <a:r>
+              <a:rPr lang="en-US" sz="1200" dirty="0"/>
+              <a:t>County Health Rankings</a:t>
+            </a:r>
+          </a:p>
+          <a:p>
+            <a:r>
+              <a:rPr lang="en-US" sz="1200" dirty="0">
                 <a:hlinkClick r:id="rId8"/>
               </a:rPr>
+              <a:t>https://www.countyhealthrankings.org/</a:t>
+            </a:r>
+            <a:endParaRPr lang="en-US" sz="1200" dirty="0"/>
+          </a:p>
+          <a:p>
+            <a:endParaRPr lang="en-US" sz="1200" dirty="0"/>
+          </a:p>
+          <a:p>
+            <a:r>
+              <a:rPr lang="en-US" sz="1200" dirty="0"/>
+              <a:t>Correlation between age and COVID deaths</a:t>
+            </a:r>
+          </a:p>
+          <a:p>
+            <a:r>
+              <a:rPr lang="en-US" sz="1200" dirty="0">
+                <a:hlinkClick r:id="rId9"/>
+              </a:rPr>
+              <a:t>https://www.ncbi.nlm.nih.gov/pmc/articles/PMC7335648/#:~:text=Among%20COVID-19%20patients%2C%20elderly,respectively%20%5B5%2C</a:t>
+            </a:r>
+            <a:endParaRPr lang="en-US" sz="1200" dirty="0"/>
+          </a:p>
+          <a:p>
+            <a:endParaRPr lang="en-US" sz="1200" dirty="0"/>
+          </a:p>
+          <a:p>
+            <a:r>
+              <a:rPr lang="en-US" sz="1200" dirty="0"/>
+              <a:t>Research showing differentially worse medical treatment of Black Americans; suggested interventions </a:t>
+            </a:r>
+          </a:p>
+          <a:p>
+            <a:r>
+              <a:rPr lang="en-US" sz="1200" dirty="0">
+                <a:hlinkClick r:id="rId10"/>
+              </a:rPr>
               <a:t>https://www.commonwealthfund.org/publications/newsletter-article/2021/jan/medical-mistrust-among-black-americans</a:t>
             </a:r>
-            <a:endParaRPr lang="en-US" dirty="0"/>
-          </a:p>
-          <a:p>
-            <a:endParaRPr lang="en-US" dirty="0"/>
-          </a:p>
-          <a:p>
-            <a:endParaRPr lang="en-US" dirty="0"/>
-          </a:p>
-          <a:p>
-            <a:endParaRPr lang="en-US" dirty="0"/>
-          </a:p>
-          <a:p>
-            <a:endParaRPr lang="en-US" dirty="0"/>
+            <a:endParaRPr lang="en-US" sz="1200" dirty="0"/>
+          </a:p>
+          <a:p>
+            <a:endParaRPr lang="en-US" sz="1200" dirty="0"/>
+          </a:p>
+          <a:p>
+            <a:endParaRPr lang="en-US" sz="1200" dirty="0"/>
+          </a:p>
+          <a:p>
+            <a:endParaRPr lang="en-US" sz="1200" dirty="0"/>
+          </a:p>
+          <a:p>
+            <a:endParaRPr lang="en-US" sz="1200" dirty="0"/>
           </a:p>
         </p:txBody>
       </p:sp>
